--- a/src/components/Explanation/プレゼンテーション1.pptx
+++ b/src/components/Explanation/プレゼンテーション1.pptx
@@ -261,7 +261,7 @@
           <a:p>
             <a:fld id="{1D39275F-D740-2649-B0D9-8533112676A8}" type="datetimeFigureOut">
               <a:rPr kumimoji="1" lang="ja-JP" altLang="en-US" smtClean="0"/>
-              <a:t>2018/11/13</a:t>
+              <a:t>2018/11/14</a:t>
             </a:fld>
             <a:endParaRPr kumimoji="1" lang="ja-JP" altLang="en-US"/>
           </a:p>
@@ -466,7 +466,7 @@
           <a:p>
             <a:fld id="{1D39275F-D740-2649-B0D9-8533112676A8}" type="datetimeFigureOut">
               <a:rPr kumimoji="1" lang="ja-JP" altLang="en-US" smtClean="0"/>
-              <a:t>2018/11/13</a:t>
+              <a:t>2018/11/14</a:t>
             </a:fld>
             <a:endParaRPr kumimoji="1" lang="ja-JP" altLang="en-US"/>
           </a:p>
@@ -681,7 +681,7 @@
           <a:p>
             <a:fld id="{1D39275F-D740-2649-B0D9-8533112676A8}" type="datetimeFigureOut">
               <a:rPr kumimoji="1" lang="ja-JP" altLang="en-US" smtClean="0"/>
-              <a:t>2018/11/13</a:t>
+              <a:t>2018/11/14</a:t>
             </a:fld>
             <a:endParaRPr kumimoji="1" lang="ja-JP" altLang="en-US"/>
           </a:p>
@@ -886,7 +886,7 @@
           <a:p>
             <a:fld id="{1D39275F-D740-2649-B0D9-8533112676A8}" type="datetimeFigureOut">
               <a:rPr kumimoji="1" lang="ja-JP" altLang="en-US" smtClean="0"/>
-              <a:t>2018/11/13</a:t>
+              <a:t>2018/11/14</a:t>
             </a:fld>
             <a:endParaRPr kumimoji="1" lang="ja-JP" altLang="en-US"/>
           </a:p>
@@ -1196,7 +1196,7 @@
           <a:p>
             <a:fld id="{1D39275F-D740-2649-B0D9-8533112676A8}" type="datetimeFigureOut">
               <a:rPr kumimoji="1" lang="ja-JP" altLang="en-US" smtClean="0"/>
-              <a:t>2018/11/13</a:t>
+              <a:t>2018/11/14</a:t>
             </a:fld>
             <a:endParaRPr kumimoji="1" lang="ja-JP" altLang="en-US"/>
           </a:p>
@@ -1475,7 +1475,7 @@
           <a:p>
             <a:fld id="{1D39275F-D740-2649-B0D9-8533112676A8}" type="datetimeFigureOut">
               <a:rPr kumimoji="1" lang="ja-JP" altLang="en-US" smtClean="0"/>
-              <a:t>2018/11/13</a:t>
+              <a:t>2018/11/14</a:t>
             </a:fld>
             <a:endParaRPr kumimoji="1" lang="ja-JP" altLang="en-US"/>
           </a:p>
@@ -1971,7 +1971,7 @@
           <a:p>
             <a:fld id="{1D39275F-D740-2649-B0D9-8533112676A8}" type="datetimeFigureOut">
               <a:rPr kumimoji="1" lang="ja-JP" altLang="en-US" smtClean="0"/>
-              <a:t>2018/11/13</a:t>
+              <a:t>2018/11/14</a:t>
             </a:fld>
             <a:endParaRPr kumimoji="1" lang="ja-JP" altLang="en-US"/>
           </a:p>
@@ -2112,7 +2112,7 @@
           <a:p>
             <a:fld id="{1D39275F-D740-2649-B0D9-8533112676A8}" type="datetimeFigureOut">
               <a:rPr kumimoji="1" lang="ja-JP" altLang="en-US" smtClean="0"/>
-              <a:t>2018/11/13</a:t>
+              <a:t>2018/11/14</a:t>
             </a:fld>
             <a:endParaRPr kumimoji="1" lang="ja-JP" altLang="en-US"/>
           </a:p>
@@ -2225,7 +2225,7 @@
           <a:p>
             <a:fld id="{1D39275F-D740-2649-B0D9-8533112676A8}" type="datetimeFigureOut">
               <a:rPr kumimoji="1" lang="ja-JP" altLang="en-US" smtClean="0"/>
-              <a:t>2018/11/13</a:t>
+              <a:t>2018/11/14</a:t>
             </a:fld>
             <a:endParaRPr kumimoji="1" lang="ja-JP" altLang="en-US"/>
           </a:p>
@@ -2578,7 +2578,7 @@
           <a:p>
             <a:fld id="{1D39275F-D740-2649-B0D9-8533112676A8}" type="datetimeFigureOut">
               <a:rPr kumimoji="1" lang="ja-JP" altLang="en-US" smtClean="0"/>
-              <a:t>2018/11/13</a:t>
+              <a:t>2018/11/14</a:t>
             </a:fld>
             <a:endParaRPr kumimoji="1" lang="ja-JP" altLang="en-US"/>
           </a:p>
@@ -2901,7 +2901,7 @@
           <a:p>
             <a:fld id="{1D39275F-D740-2649-B0D9-8533112676A8}" type="datetimeFigureOut">
               <a:rPr kumimoji="1" lang="ja-JP" altLang="en-US" smtClean="0"/>
-              <a:t>2018/11/13</a:t>
+              <a:t>2018/11/14</a:t>
             </a:fld>
             <a:endParaRPr kumimoji="1" lang="ja-JP" altLang="en-US"/>
           </a:p>
@@ -3149,7 +3149,7 @@
           <a:p>
             <a:fld id="{1D39275F-D740-2649-B0D9-8533112676A8}" type="datetimeFigureOut">
               <a:rPr kumimoji="1" lang="ja-JP" altLang="en-US" smtClean="0"/>
-              <a:t>2018/11/13</a:t>
+              <a:t>2018/11/14</a:t>
             </a:fld>
             <a:endParaRPr kumimoji="1" lang="ja-JP" altLang="en-US"/>
           </a:p>
@@ -3566,52 +3566,6 @@
           <a:chExt cx="0" cy="0"/>
         </a:xfrm>
       </p:grpSpPr>
-      <p:sp>
-        <p:nvSpPr>
-          <p:cNvPr id="8" name="正方形/長方形 7">
-            <a:extLst>
-              <a:ext uri="{FF2B5EF4-FFF2-40B4-BE49-F238E27FC236}">
-                <a16:creationId xmlns:a16="http://schemas.microsoft.com/office/drawing/2014/main" id="{991D8F99-9828-CE43-9F67-8E18B4DCF4BB}"/>
-              </a:ext>
-            </a:extLst>
-          </p:cNvPr>
-          <p:cNvSpPr/>
-          <p:nvPr/>
-        </p:nvSpPr>
-        <p:spPr>
-          <a:xfrm>
-            <a:off x="113079" y="189917"/>
-            <a:ext cx="12068114" cy="6683390"/>
-          </a:xfrm>
-          <a:prstGeom prst="rect">
-            <a:avLst/>
-          </a:prstGeom>
-        </p:spPr>
-        <p:style>
-          <a:lnRef idx="2">
-            <a:schemeClr val="accent1">
-              <a:shade val="50000"/>
-            </a:schemeClr>
-          </a:lnRef>
-          <a:fillRef idx="1">
-            <a:schemeClr val="accent1"/>
-          </a:fillRef>
-          <a:effectRef idx="0">
-            <a:schemeClr val="accent1"/>
-          </a:effectRef>
-          <a:fontRef idx="minor">
-            <a:schemeClr val="lt1"/>
-          </a:fontRef>
-        </p:style>
-        <p:txBody>
-          <a:bodyPr rtlCol="0" anchor="ctr"/>
-          <a:lstStyle/>
-          <a:p>
-            <a:pPr algn="ctr"/>
-            <a:endParaRPr lang="ja-JP" altLang="en-US"/>
-          </a:p>
-        </p:txBody>
-      </p:sp>
       <p:pic>
         <p:nvPicPr>
           <p:cNvPr id="7" name="図 6" descr="スクリーンショット が含まれている画像&#10;&#10;&#10;&#10;自動的に生成された説明">
@@ -5177,8 +5131,8 @@
               </a:p>
             </p:txBody>
           </p:sp>
-          <mc:AlternateContent xmlns:mc="http://schemas.openxmlformats.org/markup-compatibility/2006">
-            <mc:Choice xmlns:am3d="http://schemas.microsoft.com/office/drawing/2017/model3d" xmlns="" Requires="am3d">
+          <mc:AlternateContent xmlns:mc="http://schemas.openxmlformats.org/markup-compatibility/2006" xmlns:am3d="http://schemas.microsoft.com/office/drawing/2017/model3d">
+            <mc:Choice Requires="am3d">
               <p:graphicFrame>
                 <p:nvGraphicFramePr>
                   <p:cNvPr id="25" name="3D モデル 24" descr="コンビニエンス ストア">
@@ -5205,11 +5159,11 @@
                 </p:xfrm>
                 <a:graphic>
                   <a:graphicData uri="http://schemas.microsoft.com/office/drawing/2017/model3d">
-                    <am3d:model3d r:embed="rId11">
+                    <am3d:model3d r:embed="rId5">
                       <am3d:spPr>
                         <a:xfrm>
                           <a:off x="0" y="0"/>
-                          <a:ext cx="3069319" cy="1394356"/>
+                          <a:ext cx="3158398" cy="1379986"/>
                         </a:xfrm>
                         <a:prstGeom prst="rect">
                           <a:avLst/>
@@ -5232,9 +5186,9 @@
                         <am3d:rot/>
                         <am3d:postTrans dx="0" dy="0" dz="0"/>
                       </am3d:trans>
-                      <am3d:attrSrcUrl r:id="rId12"/>
+                      <am3d:attrSrcUrl r:id="rId6"/>
                       <am3d:raster rName="Office3DRenderer" rVer="16.0.8326">
-                        <am3d:blip r:embed="rId13"/>
+                        <am3d:blip r:embed="rId7"/>
                       </am3d:raster>
                       <am3d:objViewport viewportSz="3376321"/>
                       <am3d:ambientLight>
@@ -5269,7 +5223,7 @@
                 </a:graphic>
               </p:graphicFrame>
             </mc:Choice>
-            <mc:Fallback>
+            <mc:Fallback xmlns="">
               <p:pic>
                 <p:nvPicPr>
                   <p:cNvPr id="25" name="3D モデル 24" descr="コンビニエンス ストア">
